--- a/02-15-17_02-16-17_Intro-jQuery_4.2/Slide-Shows/jQueryJubilee.pptx
+++ b/02-15-17_02-16-17_Intro-jQuery_4.2/Slide-Shows/jQueryJubilee.pptx
@@ -253,7 +253,7 @@
           <a:p>
             <a:fld id="{51A969EA-8566-418D-AC96-BC5F6E9FAB6C}" type="datetimeFigureOut">
               <a:rPr lang="en-US" smtClean="0"/>
-              <a:t>10/31/2016</a:t>
+              <a:t>2/15/17</a:t>
             </a:fld>
             <a:endParaRPr lang="en-US"/>
           </a:p>
@@ -418,7 +418,7 @@
           <a:p>
             <a:fld id="{33B07B4B-74D8-4C42-A719-1F93879497F8}" type="datetimeFigureOut">
               <a:rPr lang="en-US" smtClean="0"/>
-              <a:t>10/31/2016</a:t>
+              <a:t>2/15/17</a:t>
             </a:fld>
             <a:endParaRPr lang="en-US"/>
           </a:p>
@@ -7924,7 +7924,7 @@
           <a:p>
             <a:fld id="{06F2DAE4-C87D-464C-8529-C68309DD1CFC}" type="datetimeFigureOut">
               <a:rPr lang="en-US" smtClean="0"/>
-              <a:t>10/31/2016</a:t>
+              <a:t>2/15/17</a:t>
             </a:fld>
             <a:endParaRPr lang="en-US"/>
           </a:p>
@@ -8437,7 +8437,7 @@
           <a:p>
             <a:fld id="{B65C9255-9F07-4181-9AD2-897FFC0A3B7E}" type="datetimeFigureOut">
               <a:rPr lang="en-US" smtClean="0"/>
-              <a:t>10/31/2016</a:t>
+              <a:t>2/15/17</a:t>
             </a:fld>
             <a:endParaRPr lang="en-US"/>
           </a:p>
@@ -8968,7 +8968,7 @@
           <a:p>
             <a:fld id="{B65C9255-9F07-4181-9AD2-897FFC0A3B7E}" type="datetimeFigureOut">
               <a:rPr lang="en-US" smtClean="0"/>
-              <a:t>10/31/2016</a:t>
+              <a:t>2/15/17</a:t>
             </a:fld>
             <a:endParaRPr lang="en-US"/>
           </a:p>
@@ -9499,7 +9499,7 @@
           <a:p>
             <a:fld id="{B65C9255-9F07-4181-9AD2-897FFC0A3B7E}" type="datetimeFigureOut">
               <a:rPr lang="en-US" smtClean="0"/>
-              <a:t>10/31/2016</a:t>
+              <a:t>2/15/17</a:t>
             </a:fld>
             <a:endParaRPr lang="en-US"/>
           </a:p>
@@ -10381,175 +10381,6 @@
             <a:r>
               <a:rPr lang="en-US" dirty="0"/>
               <a:t> – Captain Planet</a:t>
-            </a:r>
-          </a:p>
-        </p:txBody>
-      </p:sp>
-      <p:sp>
-        <p:nvSpPr>
-          <p:cNvPr id="3" name="Rectangle 2"/>
-          <p:cNvSpPr/>
-          <p:nvPr/>
-        </p:nvSpPr>
-        <p:spPr>
-          <a:xfrm>
-            <a:off x="304800" y="889844"/>
-            <a:ext cx="8686800" cy="3693319"/>
-          </a:xfrm>
-          <a:prstGeom prst="rect">
-            <a:avLst/>
-          </a:prstGeom>
-        </p:spPr>
-        <p:txBody>
-          <a:bodyPr wrap="square">
-            <a:spAutoFit/>
-          </a:bodyPr>
-          <a:lstStyle/>
-          <a:p>
-            <a:r>
-              <a:rPr lang="en-US" b="1" u="sng" dirty="0">
-                <a:latin typeface="Arial" panose="020B0604020202020204" pitchFamily="34" charset="0"/>
-                <a:ea typeface="Roboto" pitchFamily="2" charset="0"/>
-                <a:cs typeface="Arial" panose="020B0604020202020204" pitchFamily="34" charset="0"/>
-              </a:rPr>
-              <a:t>Solution:</a:t>
-            </a:r>
-          </a:p>
-          <a:p>
-            <a:endParaRPr lang="en-US" b="1" u="sng" dirty="0">
-              <a:latin typeface="Arial" panose="020B0604020202020204" pitchFamily="34" charset="0"/>
-              <a:ea typeface="Roboto" pitchFamily="2" charset="0"/>
-              <a:cs typeface="Arial" panose="020B0604020202020204" pitchFamily="34" charset="0"/>
-            </a:endParaRPr>
-          </a:p>
-          <a:p>
-            <a:pPr marL="457200" indent="-457200">
-              <a:buFont typeface="+mj-lt"/>
-              <a:buAutoNum type="arabicPeriod"/>
-            </a:pPr>
-            <a:r>
-              <a:rPr lang="en-US" dirty="0">
-                <a:latin typeface="Arial" panose="020B0604020202020204" pitchFamily="34" charset="0"/>
-                <a:ea typeface="Roboto" pitchFamily="2" charset="0"/>
-                <a:cs typeface="Arial" panose="020B0604020202020204" pitchFamily="34" charset="0"/>
-              </a:rPr>
-              <a:t>An initial HTML Layout was created using Bootstrap.</a:t>
-            </a:r>
-          </a:p>
-          <a:p>
-            <a:pPr marL="457200" indent="-457200">
-              <a:buFont typeface="+mj-lt"/>
-              <a:buAutoNum type="arabicPeriod"/>
-            </a:pPr>
-            <a:endParaRPr lang="en-US" dirty="0">
-              <a:latin typeface="Arial" panose="020B0604020202020204" pitchFamily="34" charset="0"/>
-              <a:ea typeface="Roboto" pitchFamily="2" charset="0"/>
-              <a:cs typeface="Arial" panose="020B0604020202020204" pitchFamily="34" charset="0"/>
-            </a:endParaRPr>
-          </a:p>
-          <a:p>
-            <a:pPr marL="457200" indent="-457200">
-              <a:buFont typeface="+mj-lt"/>
-              <a:buAutoNum type="arabicPeriod"/>
-            </a:pPr>
-            <a:r>
-              <a:rPr lang="en-US" dirty="0">
-                <a:latin typeface="Arial" panose="020B0604020202020204" pitchFamily="34" charset="0"/>
-                <a:ea typeface="Roboto" pitchFamily="2" charset="0"/>
-                <a:cs typeface="Arial" panose="020B0604020202020204" pitchFamily="34" charset="0"/>
-              </a:rPr>
-              <a:t>A reference to jQuery was added. </a:t>
-            </a:r>
-          </a:p>
-          <a:p>
-            <a:pPr marL="457200" indent="-457200">
-              <a:buFont typeface="+mj-lt"/>
-              <a:buAutoNum type="arabicPeriod"/>
-            </a:pPr>
-            <a:endParaRPr lang="en-US" dirty="0">
-              <a:latin typeface="Arial" panose="020B0604020202020204" pitchFamily="34" charset="0"/>
-              <a:ea typeface="Roboto" pitchFamily="2" charset="0"/>
-              <a:cs typeface="Arial" panose="020B0604020202020204" pitchFamily="34" charset="0"/>
-            </a:endParaRPr>
-          </a:p>
-          <a:p>
-            <a:pPr marL="457200" indent="-457200">
-              <a:buFont typeface="+mj-lt"/>
-              <a:buAutoNum type="arabicPeriod"/>
-            </a:pPr>
-            <a:r>
-              <a:rPr lang="en-US" dirty="0">
-                <a:latin typeface="Arial" panose="020B0604020202020204" pitchFamily="34" charset="0"/>
-                <a:ea typeface="Roboto" pitchFamily="2" charset="0"/>
-                <a:cs typeface="Arial" panose="020B0604020202020204" pitchFamily="34" charset="0"/>
-              </a:rPr>
-              <a:t>Key buttons and images were assigned unique class names</a:t>
-            </a:r>
-          </a:p>
-          <a:p>
-            <a:pPr marL="457200" indent="-457200">
-              <a:buFont typeface="+mj-lt"/>
-              <a:buAutoNum type="arabicPeriod"/>
-            </a:pPr>
-            <a:endParaRPr lang="en-US" dirty="0">
-              <a:latin typeface="Arial" panose="020B0604020202020204" pitchFamily="34" charset="0"/>
-              <a:ea typeface="Roboto" pitchFamily="2" charset="0"/>
-              <a:cs typeface="Arial" panose="020B0604020202020204" pitchFamily="34" charset="0"/>
-            </a:endParaRPr>
-          </a:p>
-          <a:p>
-            <a:pPr marL="457200" indent="-457200">
-              <a:buFont typeface="+mj-lt"/>
-              <a:buAutoNum type="arabicPeriod"/>
-            </a:pPr>
-            <a:r>
-              <a:rPr lang="en-US" dirty="0">
-                <a:latin typeface="Arial" panose="020B0604020202020204" pitchFamily="34" charset="0"/>
-                <a:ea typeface="Roboto" pitchFamily="2" charset="0"/>
-                <a:cs typeface="Arial" panose="020B0604020202020204" pitchFamily="34" charset="0"/>
-              </a:rPr>
-              <a:t>jQuery was used to capture when the corresponding buttons were clicked. This was done through the $( ) identifier with the class-name inside. </a:t>
-            </a:r>
-          </a:p>
-          <a:p>
-            <a:pPr marL="457200" indent="-457200">
-              <a:buFont typeface="+mj-lt"/>
-              <a:buAutoNum type="arabicPeriod"/>
-            </a:pPr>
-            <a:endParaRPr lang="en-US" dirty="0">
-              <a:latin typeface="Arial" panose="020B0604020202020204" pitchFamily="34" charset="0"/>
-              <a:ea typeface="Roboto" pitchFamily="2" charset="0"/>
-              <a:cs typeface="Arial" panose="020B0604020202020204" pitchFamily="34" charset="0"/>
-            </a:endParaRPr>
-          </a:p>
-          <a:p>
-            <a:pPr marL="457200" indent="-457200">
-              <a:buFont typeface="+mj-lt"/>
-              <a:buAutoNum type="arabicPeriod"/>
-            </a:pPr>
-            <a:r>
-              <a:rPr lang="en-US" dirty="0">
-                <a:latin typeface="Arial" panose="020B0604020202020204" pitchFamily="34" charset="0"/>
-                <a:ea typeface="Roboto" pitchFamily="2" charset="0"/>
-                <a:cs typeface="Arial" panose="020B0604020202020204" pitchFamily="34" charset="0"/>
-              </a:rPr>
-              <a:t>Code was created that changed the </a:t>
-            </a:r>
-            <a:r>
-              <a:rPr lang="en-US" dirty="0" err="1">
-                <a:latin typeface="Arial" panose="020B0604020202020204" pitchFamily="34" charset="0"/>
-                <a:ea typeface="Roboto" pitchFamily="2" charset="0"/>
-                <a:cs typeface="Arial" panose="020B0604020202020204" pitchFamily="34" charset="0"/>
-              </a:rPr>
-              <a:t>css</a:t>
-            </a:r>
-            <a:r>
-              <a:rPr lang="en-US" dirty="0">
-                <a:latin typeface="Arial" panose="020B0604020202020204" pitchFamily="34" charset="0"/>
-                <a:ea typeface="Roboto" pitchFamily="2" charset="0"/>
-                <a:cs typeface="Arial" panose="020B0604020202020204" pitchFamily="34" charset="0"/>
-              </a:rPr>
-              <a:t> of target classes in response to the click events. </a:t>
             </a:r>
           </a:p>
         </p:txBody>
